--- a/brWheel_my/XY_shifter_wiring_diagram.pptx
+++ b/brWheel_my/XY_shifter_wiring_diagram.pptx
@@ -241,7 +241,7 @@
           <a:p>
             <a:fld id="{A398FB1A-F8C3-427F-BE44-B87966AC4D7F}" type="datetimeFigureOut">
               <a:rPr lang="en-US" smtClean="0"/>
-              <a:t>03-Jul-22</a:t>
+              <a:t>08-Jul-22</a:t>
             </a:fld>
             <a:endParaRPr lang="en-US"/>
           </a:p>
@@ -409,7 +409,7 @@
           <a:p>
             <a:fld id="{A398FB1A-F8C3-427F-BE44-B87966AC4D7F}" type="datetimeFigureOut">
               <a:rPr lang="en-US" smtClean="0"/>
-              <a:t>03-Jul-22</a:t>
+              <a:t>08-Jul-22</a:t>
             </a:fld>
             <a:endParaRPr lang="en-US"/>
           </a:p>
@@ -587,7 +587,7 @@
           <a:p>
             <a:fld id="{A398FB1A-F8C3-427F-BE44-B87966AC4D7F}" type="datetimeFigureOut">
               <a:rPr lang="en-US" smtClean="0"/>
-              <a:t>03-Jul-22</a:t>
+              <a:t>08-Jul-22</a:t>
             </a:fld>
             <a:endParaRPr lang="en-US"/>
           </a:p>
@@ -755,7 +755,7 @@
           <a:p>
             <a:fld id="{A398FB1A-F8C3-427F-BE44-B87966AC4D7F}" type="datetimeFigureOut">
               <a:rPr lang="en-US" smtClean="0"/>
-              <a:t>03-Jul-22</a:t>
+              <a:t>08-Jul-22</a:t>
             </a:fld>
             <a:endParaRPr lang="en-US"/>
           </a:p>
@@ -1000,7 +1000,7 @@
           <a:p>
             <a:fld id="{A398FB1A-F8C3-427F-BE44-B87966AC4D7F}" type="datetimeFigureOut">
               <a:rPr lang="en-US" smtClean="0"/>
-              <a:t>03-Jul-22</a:t>
+              <a:t>08-Jul-22</a:t>
             </a:fld>
             <a:endParaRPr lang="en-US"/>
           </a:p>
@@ -1229,7 +1229,7 @@
           <a:p>
             <a:fld id="{A398FB1A-F8C3-427F-BE44-B87966AC4D7F}" type="datetimeFigureOut">
               <a:rPr lang="en-US" smtClean="0"/>
-              <a:t>03-Jul-22</a:t>
+              <a:t>08-Jul-22</a:t>
             </a:fld>
             <a:endParaRPr lang="en-US"/>
           </a:p>
@@ -1593,7 +1593,7 @@
           <a:p>
             <a:fld id="{A398FB1A-F8C3-427F-BE44-B87966AC4D7F}" type="datetimeFigureOut">
               <a:rPr lang="en-US" smtClean="0"/>
-              <a:t>03-Jul-22</a:t>
+              <a:t>08-Jul-22</a:t>
             </a:fld>
             <a:endParaRPr lang="en-US"/>
           </a:p>
@@ -1710,7 +1710,7 @@
           <a:p>
             <a:fld id="{A398FB1A-F8C3-427F-BE44-B87966AC4D7F}" type="datetimeFigureOut">
               <a:rPr lang="en-US" smtClean="0"/>
-              <a:t>03-Jul-22</a:t>
+              <a:t>08-Jul-22</a:t>
             </a:fld>
             <a:endParaRPr lang="en-US"/>
           </a:p>
@@ -1805,7 +1805,7 @@
           <a:p>
             <a:fld id="{A398FB1A-F8C3-427F-BE44-B87966AC4D7F}" type="datetimeFigureOut">
               <a:rPr lang="en-US" smtClean="0"/>
-              <a:t>03-Jul-22</a:t>
+              <a:t>08-Jul-22</a:t>
             </a:fld>
             <a:endParaRPr lang="en-US"/>
           </a:p>
@@ -2080,7 +2080,7 @@
           <a:p>
             <a:fld id="{A398FB1A-F8C3-427F-BE44-B87966AC4D7F}" type="datetimeFigureOut">
               <a:rPr lang="en-US" smtClean="0"/>
-              <a:t>03-Jul-22</a:t>
+              <a:t>08-Jul-22</a:t>
             </a:fld>
             <a:endParaRPr lang="en-US"/>
           </a:p>
@@ -2332,7 +2332,7 @@
           <a:p>
             <a:fld id="{A398FB1A-F8C3-427F-BE44-B87966AC4D7F}" type="datetimeFigureOut">
               <a:rPr lang="en-US" smtClean="0"/>
-              <a:t>03-Jul-22</a:t>
+              <a:t>08-Jul-22</a:t>
             </a:fld>
             <a:endParaRPr lang="en-US"/>
           </a:p>
@@ -2543,7 +2543,7 @@
           <a:p>
             <a:fld id="{A398FB1A-F8C3-427F-BE44-B87966AC4D7F}" type="datetimeFigureOut">
               <a:rPr lang="en-US" smtClean="0"/>
-              <a:t>03-Jul-22</a:t>
+              <a:t>08-Jul-22</a:t>
             </a:fld>
             <a:endParaRPr lang="en-US"/>
           </a:p>
@@ -3616,10 +3616,10 @@
           <a:lstStyle/>
           <a:p>
             <a:r>
-              <a:rPr lang="en-US" sz="1400" dirty="0" smtClean="0"/>
+              <a:rPr lang="en-US" sz="1400" i="1" dirty="0" smtClean="0"/>
               <a:t>10k linear pots</a:t>
             </a:r>
-            <a:endParaRPr lang="en-US" sz="1400" dirty="0"/>
+            <a:endParaRPr lang="en-US" sz="1400" i="1" dirty="0"/>
           </a:p>
         </p:txBody>
       </p:sp>
@@ -3661,8 +3661,8 @@
         </p:nvSpPr>
         <p:spPr>
           <a:xfrm>
-            <a:off x="8113096" y="4498125"/>
-            <a:ext cx="3255828" cy="2031325"/>
+            <a:off x="8116247" y="4443360"/>
+            <a:ext cx="3575146" cy="2462213"/>
           </a:xfrm>
           <a:prstGeom prst="rect">
             <a:avLst/>
@@ -3691,41 +3691,100 @@
           <a:p>
             <a:r>
               <a:rPr lang="en-US" dirty="0" smtClean="0"/>
-              <a:t>5V	5V	</a:t>
-            </a:r>
-          </a:p>
-          <a:p>
+              <a:t>5V	</a:t>
+            </a:r>
             <a:r>
               <a:rPr lang="en-US" dirty="0" smtClean="0"/>
-              <a:t>GND	GND</a:t>
-            </a:r>
-          </a:p>
-          <a:p>
-            <a:r>
-              <a:rPr lang="en-US" dirty="0" smtClean="0"/>
-              <a:t>A4	X position</a:t>
-            </a:r>
-          </a:p>
-          <a:p>
-            <a:r>
-              <a:rPr lang="en-US" dirty="0" smtClean="0"/>
-              <a:t>A5	Y position</a:t>
-            </a:r>
-          </a:p>
-          <a:p>
-            <a:r>
-              <a:rPr lang="en-US" dirty="0" smtClean="0"/>
-              <a:t>4</a:t>
+              <a:t>5V (pot0,1 pin 3)</a:t>
             </a:r>
             <a:r>
               <a:rPr lang="en-US" dirty="0" smtClean="0"/>
               <a:t>	</a:t>
             </a:r>
+          </a:p>
+          <a:p>
             <a:r>
               <a:rPr lang="en-US" dirty="0" smtClean="0"/>
-              <a:t>button0 (reverse gear)</a:t>
-            </a:r>
-            <a:endParaRPr lang="en-US" dirty="0"/>
+              <a:t>GND	</a:t>
+            </a:r>
+            <a:r>
+              <a:rPr lang="en-US" dirty="0"/>
+              <a:t>GND (</a:t>
+            </a:r>
+            <a:r>
+              <a:rPr lang="en-US" dirty="0" smtClean="0"/>
+              <a:t>pot0,1 </a:t>
+            </a:r>
+            <a:r>
+              <a:rPr lang="en-US" dirty="0"/>
+              <a:t>pin </a:t>
+            </a:r>
+            <a:r>
+              <a:rPr lang="en-US" dirty="0" smtClean="0"/>
+              <a:t>1)</a:t>
+            </a:r>
+            <a:endParaRPr lang="en-US" dirty="0" smtClean="0"/>
+          </a:p>
+          <a:p>
+            <a:r>
+              <a:rPr lang="en-US" dirty="0" smtClean="0"/>
+              <a:t>A4	X </a:t>
+            </a:r>
+            <a:r>
+              <a:rPr lang="en-US" dirty="0" smtClean="0"/>
+              <a:t>position (pot0 pin2)</a:t>
+            </a:r>
+            <a:endParaRPr lang="en-US" dirty="0" smtClean="0"/>
+          </a:p>
+          <a:p>
+            <a:r>
+              <a:rPr lang="en-US" dirty="0" smtClean="0"/>
+              <a:t>A5	Y </a:t>
+            </a:r>
+            <a:r>
+              <a:rPr lang="en-US" dirty="0"/>
+              <a:t>position (</a:t>
+            </a:r>
+            <a:r>
+              <a:rPr lang="en-US" dirty="0" smtClean="0"/>
+              <a:t>pot1 pin2)</a:t>
+            </a:r>
+            <a:endParaRPr lang="en-US" dirty="0" smtClean="0"/>
+          </a:p>
+          <a:p>
+            <a:r>
+              <a:rPr lang="en-US" dirty="0" smtClean="0"/>
+              <a:t>4, A3*</a:t>
+            </a:r>
+            <a:r>
+              <a:rPr lang="en-US" dirty="0" smtClean="0"/>
+              <a:t>	button0 </a:t>
+            </a:r>
+            <a:r>
+              <a:rPr lang="en-US" dirty="0" smtClean="0"/>
+              <a:t>(push switch)</a:t>
+            </a:r>
+          </a:p>
+          <a:p>
+            <a:r>
+              <a:rPr lang="en-US" sz="1400" i="1" dirty="0" smtClean="0"/>
+              <a:t>*</a:t>
+            </a:r>
+            <a:r>
+              <a:rPr lang="en-US" sz="1400" i="1" dirty="0"/>
+              <a:t>w</a:t>
+            </a:r>
+            <a:r>
+              <a:rPr lang="en-US" sz="1400" i="1" dirty="0" smtClean="0"/>
+              <a:t>hen load cell is enabled fw-vXX2, note that</a:t>
+            </a:r>
+          </a:p>
+          <a:p>
+            <a:r>
+              <a:rPr lang="en-US" sz="1400" i="1" dirty="0" smtClean="0"/>
+              <a:t>button0 is at pin A3 instead</a:t>
+            </a:r>
+            <a:endParaRPr lang="en-US" sz="1400" i="1" dirty="0"/>
           </a:p>
           <a:p>
             <a:endParaRPr lang="en-US" dirty="0"/>
@@ -3839,7 +3898,7 @@
         </p:nvSpPr>
         <p:spPr>
           <a:xfrm>
-            <a:off x="5898131" y="4426628"/>
+            <a:off x="5824292" y="4435500"/>
             <a:ext cx="1340945" cy="646331"/>
           </a:xfrm>
           <a:prstGeom prst="rect">
@@ -4037,7 +4096,15 @@
             </a:r>
             <a:r>
               <a:rPr lang="en-US" sz="1400" i="1" dirty="0" smtClean="0"/>
-              <a:t>ou need to press this button and</a:t>
+              <a:t>ou need to press this </a:t>
+            </a:r>
+            <a:r>
+              <a:rPr lang="en-US" sz="1400" i="1" dirty="0" smtClean="0"/>
+              <a:t>switch </a:t>
+            </a:r>
+            <a:r>
+              <a:rPr lang="en-US" sz="1400" i="1" dirty="0" smtClean="0"/>
+              <a:t>and</a:t>
             </a:r>
           </a:p>
           <a:p>
@@ -4047,21 +4114,13 @@
             </a:r>
             <a:r>
               <a:rPr lang="en-US" sz="1400" i="1" dirty="0" smtClean="0"/>
-              <a:t>hift into last </a:t>
-            </a:r>
+              <a:t>hift into last gear which</a:t>
+            </a:r>
+          </a:p>
+          <a:p>
             <a:r>
               <a:rPr lang="en-US" sz="1400" i="1" dirty="0" smtClean="0"/>
-              <a:t>gear which</a:t>
-            </a:r>
-          </a:p>
-          <a:p>
-            <a:r>
-              <a:rPr lang="en-US" sz="1400" i="1" dirty="0" smtClean="0"/>
-              <a:t>can </a:t>
-            </a:r>
-            <a:r>
-              <a:rPr lang="en-US" sz="1400" i="1" dirty="0" smtClean="0"/>
-              <a:t>be 6</a:t>
+              <a:t>can be 6</a:t>
             </a:r>
             <a:r>
               <a:rPr lang="en-US" sz="1400" i="1" baseline="30000" dirty="0" smtClean="0"/>
@@ -4097,7 +4156,7 @@
         </p:nvSpPr>
         <p:spPr>
           <a:xfrm>
-            <a:off x="7774550" y="1541261"/>
+            <a:off x="8180461" y="1522503"/>
             <a:ext cx="2650921" cy="2337866"/>
           </a:xfrm>
           <a:prstGeom prst="rect">
@@ -4143,7 +4202,7 @@
         </p:nvSpPr>
         <p:spPr>
           <a:xfrm>
-            <a:off x="8226311" y="1238200"/>
+            <a:off x="8632222" y="1219442"/>
             <a:ext cx="153162" cy="162053"/>
           </a:xfrm>
           <a:prstGeom prst="rect">
@@ -4191,7 +4250,7 @@
         </p:nvSpPr>
         <p:spPr>
           <a:xfrm rot="10800000">
-            <a:off x="8228909" y="1402634"/>
+            <a:off x="8634820" y="1383876"/>
             <a:ext cx="150564" cy="102446"/>
           </a:xfrm>
           <a:prstGeom prst="triangle">
@@ -4239,7 +4298,7 @@
         </p:nvSpPr>
         <p:spPr>
           <a:xfrm>
-            <a:off x="9015378" y="1239889"/>
+            <a:off x="9421289" y="1221131"/>
             <a:ext cx="153162" cy="162053"/>
           </a:xfrm>
           <a:prstGeom prst="rect">
@@ -4287,7 +4346,7 @@
         </p:nvSpPr>
         <p:spPr>
           <a:xfrm rot="10800000">
-            <a:off x="9017976" y="1404323"/>
+            <a:off x="9423887" y="1385565"/>
             <a:ext cx="150564" cy="102446"/>
           </a:xfrm>
           <a:prstGeom prst="triangle">
@@ -4335,7 +4394,7 @@
         </p:nvSpPr>
         <p:spPr>
           <a:xfrm>
-            <a:off x="9801847" y="1236045"/>
+            <a:off x="10207758" y="1217287"/>
             <a:ext cx="153162" cy="162053"/>
           </a:xfrm>
           <a:prstGeom prst="rect">
@@ -4383,7 +4442,7 @@
         </p:nvSpPr>
         <p:spPr>
           <a:xfrm rot="10800000">
-            <a:off x="9804445" y="1400479"/>
+            <a:off x="10210356" y="1381721"/>
             <a:ext cx="150564" cy="102446"/>
           </a:xfrm>
           <a:prstGeom prst="triangle">
@@ -4431,7 +4490,7 @@
         </p:nvSpPr>
         <p:spPr>
           <a:xfrm rot="5400000">
-            <a:off x="10575061" y="2416171"/>
+            <a:off x="10980972" y="2397413"/>
             <a:ext cx="153162" cy="162053"/>
           </a:xfrm>
           <a:prstGeom prst="rect">
@@ -4479,7 +4538,7 @@
         </p:nvSpPr>
         <p:spPr>
           <a:xfrm rot="16200000">
-            <a:off x="10441092" y="2447274"/>
+            <a:off x="10847003" y="2428516"/>
             <a:ext cx="150564" cy="102446"/>
           </a:xfrm>
           <a:prstGeom prst="triangle">
@@ -4527,7 +4586,7 @@
         </p:nvSpPr>
         <p:spPr>
           <a:xfrm rot="5400000">
-            <a:off x="10575061" y="3092547"/>
+            <a:off x="10980972" y="3073789"/>
             <a:ext cx="153162" cy="162053"/>
           </a:xfrm>
           <a:prstGeom prst="rect">
@@ -4575,7 +4634,7 @@
         </p:nvSpPr>
         <p:spPr>
           <a:xfrm rot="16200000">
-            <a:off x="10441092" y="3123650"/>
+            <a:off x="10847003" y="3104892"/>
             <a:ext cx="150564" cy="102446"/>
           </a:xfrm>
           <a:prstGeom prst="triangle">
@@ -4623,7 +4682,7 @@
         </p:nvSpPr>
         <p:spPr>
           <a:xfrm>
-            <a:off x="8812170" y="2234336"/>
+            <a:off x="9218081" y="2215578"/>
             <a:ext cx="150891" cy="147873"/>
           </a:xfrm>
           <a:prstGeom prst="ellipse">
@@ -4666,7 +4725,7 @@
         </p:nvCxnSpPr>
         <p:spPr>
           <a:xfrm flipH="1">
-            <a:off x="8299010" y="1541261"/>
+            <a:off x="8704921" y="1522503"/>
             <a:ext cx="6036" cy="2337866"/>
           </a:xfrm>
           <a:prstGeom prst="line">
@@ -4697,7 +4756,7 @@
         </p:nvCxnSpPr>
         <p:spPr>
           <a:xfrm flipH="1">
-            <a:off x="9088941" y="1541261"/>
+            <a:off x="9494852" y="1522503"/>
             <a:ext cx="6036" cy="2337866"/>
           </a:xfrm>
           <a:prstGeom prst="line">
@@ -4728,7 +4787,7 @@
         </p:nvCxnSpPr>
         <p:spPr>
           <a:xfrm flipH="1">
-            <a:off x="9872515" y="1544587"/>
+            <a:off x="10278426" y="1525829"/>
             <a:ext cx="6036" cy="2337866"/>
           </a:xfrm>
           <a:prstGeom prst="line">
@@ -4759,7 +4818,7 @@
         </p:nvCxnSpPr>
         <p:spPr>
           <a:xfrm flipH="1">
-            <a:off x="7783849" y="2497197"/>
+            <a:off x="8189760" y="2478439"/>
             <a:ext cx="2640113" cy="0"/>
           </a:xfrm>
           <a:prstGeom prst="line">
@@ -4790,7 +4849,7 @@
         </p:nvCxnSpPr>
         <p:spPr>
           <a:xfrm flipH="1">
-            <a:off x="7768884" y="3173573"/>
+            <a:off x="8174795" y="3154815"/>
             <a:ext cx="2640113" cy="0"/>
           </a:xfrm>
           <a:prstGeom prst="line">
@@ -4821,7 +4880,7 @@
         </p:nvSpPr>
         <p:spPr>
           <a:xfrm>
-            <a:off x="7885937" y="1834563"/>
+            <a:off x="8291848" y="1815805"/>
             <a:ext cx="301686" cy="369332"/>
           </a:xfrm>
           <a:prstGeom prst="rect">
@@ -4851,7 +4910,7 @@
         </p:nvSpPr>
         <p:spPr>
           <a:xfrm>
-            <a:off x="8558495" y="1834563"/>
+            <a:off x="8964406" y="1815805"/>
             <a:ext cx="301686" cy="369332"/>
           </a:xfrm>
           <a:prstGeom prst="rect">
@@ -4881,7 +4940,7 @@
         </p:nvSpPr>
         <p:spPr>
           <a:xfrm>
-            <a:off x="9332866" y="1841289"/>
+            <a:off x="9738777" y="1822531"/>
             <a:ext cx="301686" cy="369332"/>
           </a:xfrm>
           <a:prstGeom prst="rect">
@@ -4910,7 +4969,7 @@
         </p:nvSpPr>
         <p:spPr>
           <a:xfrm>
-            <a:off x="10000413" y="1854225"/>
+            <a:off x="10406324" y="1835467"/>
             <a:ext cx="301686" cy="369332"/>
           </a:xfrm>
           <a:prstGeom prst="rect">
@@ -4939,7 +4998,7 @@
         </p:nvSpPr>
         <p:spPr>
           <a:xfrm>
-            <a:off x="7885937" y="3315151"/>
+            <a:off x="8291848" y="3296393"/>
             <a:ext cx="301686" cy="369332"/>
           </a:xfrm>
           <a:prstGeom prst="rect">
@@ -4968,7 +5027,7 @@
         </p:nvSpPr>
         <p:spPr>
           <a:xfrm>
-            <a:off x="8549460" y="3324712"/>
+            <a:off x="8955371" y="3305954"/>
             <a:ext cx="301686" cy="369332"/>
           </a:xfrm>
           <a:prstGeom prst="rect">
@@ -4997,7 +5056,7 @@
         </p:nvSpPr>
         <p:spPr>
           <a:xfrm>
-            <a:off x="9195846" y="3317822"/>
+            <a:off x="9601757" y="3299064"/>
             <a:ext cx="575799" cy="369332"/>
           </a:xfrm>
           <a:prstGeom prst="rect">
@@ -5027,7 +5086,7 @@
         </p:nvSpPr>
         <p:spPr>
           <a:xfrm>
-            <a:off x="9860058" y="3312754"/>
+            <a:off x="10265969" y="3293996"/>
             <a:ext cx="575799" cy="369332"/>
           </a:xfrm>
           <a:prstGeom prst="rect">
@@ -5061,7 +5120,7 @@
         </p:nvSpPr>
         <p:spPr>
           <a:xfrm>
-            <a:off x="7846051" y="2638775"/>
+            <a:off x="8251962" y="2620017"/>
             <a:ext cx="2504853" cy="369332"/>
           </a:xfrm>
           <a:prstGeom prst="rect">
@@ -5095,7 +5154,7 @@
         </p:nvCxnSpPr>
         <p:spPr>
           <a:xfrm flipH="1">
-            <a:off x="8873743" y="2382209"/>
+            <a:off x="9279654" y="2363451"/>
             <a:ext cx="8694" cy="1470255"/>
           </a:xfrm>
           <a:prstGeom prst="line">
@@ -5130,7 +5189,7 @@
         </p:nvCxnSpPr>
         <p:spPr>
           <a:xfrm flipH="1" flipV="1">
-            <a:off x="7798346" y="2308272"/>
+            <a:off x="8204257" y="2289514"/>
             <a:ext cx="1013824" cy="1"/>
           </a:xfrm>
           <a:prstGeom prst="line">
@@ -5163,7 +5222,7 @@
         </p:nvSpPr>
         <p:spPr>
           <a:xfrm>
-            <a:off x="7382744" y="2090050"/>
+            <a:off x="7788655" y="2071292"/>
             <a:ext cx="296876" cy="369332"/>
           </a:xfrm>
           <a:prstGeom prst="rect">
@@ -5192,7 +5251,7 @@
         </p:nvSpPr>
         <p:spPr>
           <a:xfrm>
-            <a:off x="8732488" y="3879127"/>
+            <a:off x="9138399" y="3860369"/>
             <a:ext cx="304892" cy="369332"/>
           </a:xfrm>
           <a:prstGeom prst="rect">
@@ -5222,7 +5281,7 @@
         </p:nvSpPr>
         <p:spPr>
           <a:xfrm>
-            <a:off x="8148167" y="862447"/>
+            <a:off x="8554078" y="843689"/>
             <a:ext cx="301686" cy="369332"/>
           </a:xfrm>
           <a:prstGeom prst="rect">
@@ -5252,7 +5311,7 @@
         </p:nvSpPr>
         <p:spPr>
           <a:xfrm>
-            <a:off x="8947634" y="855793"/>
+            <a:off x="9353545" y="837035"/>
             <a:ext cx="306494" cy="369332"/>
           </a:xfrm>
           <a:prstGeom prst="rect">
@@ -5281,7 +5340,7 @@
         </p:nvSpPr>
         <p:spPr>
           <a:xfrm>
-            <a:off x="9751909" y="845614"/>
+            <a:off x="10157820" y="826856"/>
             <a:ext cx="282450" cy="369332"/>
           </a:xfrm>
           <a:prstGeom prst="rect">
@@ -5310,7 +5369,7 @@
         </p:nvSpPr>
         <p:spPr>
           <a:xfrm>
-            <a:off x="10758818" y="2977585"/>
+            <a:off x="11164729" y="2958827"/>
             <a:ext cx="306494" cy="369332"/>
           </a:xfrm>
           <a:prstGeom prst="rect">
@@ -5339,7 +5398,7 @@
         </p:nvSpPr>
         <p:spPr>
           <a:xfrm>
-            <a:off x="10758818" y="2308272"/>
+            <a:off x="11164729" y="2289514"/>
             <a:ext cx="300082" cy="369332"/>
           </a:xfrm>
           <a:prstGeom prst="rect">
@@ -5368,7 +5427,7 @@
         </p:nvSpPr>
         <p:spPr>
           <a:xfrm>
-            <a:off x="7458360" y="3827533"/>
+            <a:off x="7864271" y="3808775"/>
             <a:ext cx="304892" cy="369332"/>
           </a:xfrm>
           <a:prstGeom prst="rect">
@@ -5398,7 +5457,7 @@
         </p:nvSpPr>
         <p:spPr>
           <a:xfrm>
-            <a:off x="10159486" y="3866727"/>
+            <a:off x="10565397" y="3847969"/>
             <a:ext cx="652743" cy="369332"/>
           </a:xfrm>
           <a:prstGeom prst="rect">
@@ -5428,7 +5487,7 @@
         </p:nvSpPr>
         <p:spPr>
           <a:xfrm>
-            <a:off x="7114831" y="1331438"/>
+            <a:off x="7520742" y="1312680"/>
             <a:ext cx="652743" cy="369332"/>
           </a:xfrm>
           <a:prstGeom prst="rect">
@@ -5447,6 +5506,215 @@
               <a:t>1023</a:t>
             </a:r>
             <a:endParaRPr lang="en-US" dirty="0"/>
+          </a:p>
+        </p:txBody>
+      </p:sp>
+      <p:sp>
+        <p:nvSpPr>
+          <p:cNvPr id="2" name="TextBox 1"/>
+          <p:cNvSpPr txBox="1"/>
+          <p:nvPr/>
+        </p:nvSpPr>
+        <p:spPr>
+          <a:xfrm>
+            <a:off x="4580697" y="2474193"/>
+            <a:ext cx="526106" cy="307777"/>
+          </a:xfrm>
+          <a:prstGeom prst="rect">
+            <a:avLst/>
+          </a:prstGeom>
+          <a:noFill/>
+        </p:spPr>
+        <p:txBody>
+          <a:bodyPr wrap="none" rtlCol="0">
+            <a:spAutoFit/>
+          </a:bodyPr>
+          <a:lstStyle/>
+          <a:p>
+            <a:r>
+              <a:rPr lang="en-US" sz="1400" i="1" dirty="0" smtClean="0"/>
+              <a:t>pot0</a:t>
+            </a:r>
+            <a:endParaRPr lang="en-US" sz="1400" i="1" dirty="0"/>
+          </a:p>
+        </p:txBody>
+      </p:sp>
+      <p:sp>
+        <p:nvSpPr>
+          <p:cNvPr id="71" name="TextBox 70"/>
+          <p:cNvSpPr txBox="1"/>
+          <p:nvPr/>
+        </p:nvSpPr>
+        <p:spPr>
+          <a:xfrm>
+            <a:off x="5753106" y="2457449"/>
+            <a:ext cx="526106" cy="307777"/>
+          </a:xfrm>
+          <a:prstGeom prst="rect">
+            <a:avLst/>
+          </a:prstGeom>
+          <a:noFill/>
+        </p:spPr>
+        <p:txBody>
+          <a:bodyPr wrap="none" rtlCol="0">
+            <a:spAutoFit/>
+          </a:bodyPr>
+          <a:lstStyle/>
+          <a:p>
+            <a:r>
+              <a:rPr lang="en-US" sz="1400" i="1" dirty="0" smtClean="0"/>
+              <a:t>pot1</a:t>
+            </a:r>
+            <a:endParaRPr lang="en-US" sz="1400" i="1" dirty="0"/>
+          </a:p>
+        </p:txBody>
+      </p:sp>
+      <p:pic>
+        <p:nvPicPr>
+          <p:cNvPr id="3" name="Picture 2"/>
+          <p:cNvPicPr>
+            <a:picLocks noChangeAspect="1"/>
+          </p:cNvPicPr>
+          <p:nvPr/>
+        </p:nvPicPr>
+        <p:blipFill rotWithShape="1">
+          <a:blip r:embed="rId4" cstate="print">
+            <a:extLst>
+              <a:ext uri="{28A0092B-C50C-407E-A947-70E740481C1C}">
+                <a14:useLocalDpi xmlns:a14="http://schemas.microsoft.com/office/drawing/2010/main" val="0"/>
+              </a:ext>
+            </a:extLst>
+          </a:blip>
+          <a:srcRect l="21292" t="16697" r="23093" b="15195"/>
+          <a:stretch/>
+        </p:blipFill>
+        <p:spPr>
+          <a:xfrm>
+            <a:off x="6474077" y="2234229"/>
+            <a:ext cx="814265" cy="997168"/>
+          </a:xfrm>
+          <a:prstGeom prst="rect">
+            <a:avLst/>
+          </a:prstGeom>
+        </p:spPr>
+      </p:pic>
+      <p:sp>
+        <p:nvSpPr>
+          <p:cNvPr id="5" name="TextBox 4"/>
+          <p:cNvSpPr txBox="1"/>
+          <p:nvPr/>
+        </p:nvSpPr>
+        <p:spPr>
+          <a:xfrm>
+            <a:off x="6287391" y="2977677"/>
+            <a:ext cx="276038" cy="307777"/>
+          </a:xfrm>
+          <a:prstGeom prst="rect">
+            <a:avLst/>
+          </a:prstGeom>
+          <a:noFill/>
+        </p:spPr>
+        <p:txBody>
+          <a:bodyPr wrap="none" rtlCol="0">
+            <a:spAutoFit/>
+          </a:bodyPr>
+          <a:lstStyle/>
+          <a:p>
+            <a:r>
+              <a:rPr lang="en-US" sz="1400" dirty="0" smtClean="0"/>
+              <a:t>1</a:t>
+            </a:r>
+            <a:endParaRPr lang="en-US" sz="1400" dirty="0"/>
+          </a:p>
+        </p:txBody>
+      </p:sp>
+      <p:sp>
+        <p:nvSpPr>
+          <p:cNvPr id="91" name="TextBox 90"/>
+          <p:cNvSpPr txBox="1"/>
+          <p:nvPr/>
+        </p:nvSpPr>
+        <p:spPr>
+          <a:xfrm>
+            <a:off x="6472881" y="3084322"/>
+            <a:ext cx="276038" cy="307777"/>
+          </a:xfrm>
+          <a:prstGeom prst="rect">
+            <a:avLst/>
+          </a:prstGeom>
+          <a:noFill/>
+        </p:spPr>
+        <p:txBody>
+          <a:bodyPr wrap="none" rtlCol="0">
+            <a:spAutoFit/>
+          </a:bodyPr>
+          <a:lstStyle/>
+          <a:p>
+            <a:r>
+              <a:rPr lang="en-US" sz="1400" dirty="0" smtClean="0"/>
+              <a:t>2</a:t>
+            </a:r>
+            <a:endParaRPr lang="en-US" sz="1400" dirty="0"/>
+          </a:p>
+        </p:txBody>
+      </p:sp>
+      <p:sp>
+        <p:nvSpPr>
+          <p:cNvPr id="92" name="TextBox 91"/>
+          <p:cNvSpPr txBox="1"/>
+          <p:nvPr/>
+        </p:nvSpPr>
+        <p:spPr>
+          <a:xfrm>
+            <a:off x="6666593" y="3168118"/>
+            <a:ext cx="276038" cy="307777"/>
+          </a:xfrm>
+          <a:prstGeom prst="rect">
+            <a:avLst/>
+          </a:prstGeom>
+          <a:noFill/>
+        </p:spPr>
+        <p:txBody>
+          <a:bodyPr wrap="none" rtlCol="0">
+            <a:spAutoFit/>
+          </a:bodyPr>
+          <a:lstStyle/>
+          <a:p>
+            <a:r>
+              <a:rPr lang="en-US" sz="1400" dirty="0" smtClean="0"/>
+              <a:t>3</a:t>
+            </a:r>
+            <a:endParaRPr lang="en-US" sz="1400" dirty="0"/>
+          </a:p>
+        </p:txBody>
+      </p:sp>
+      <p:sp>
+        <p:nvSpPr>
+          <p:cNvPr id="12" name="TextBox 11"/>
+          <p:cNvSpPr txBox="1"/>
+          <p:nvPr/>
+        </p:nvSpPr>
+        <p:spPr>
+          <a:xfrm>
+            <a:off x="4060602" y="4814530"/>
+            <a:ext cx="662361" cy="307777"/>
+          </a:xfrm>
+          <a:prstGeom prst="rect">
+            <a:avLst/>
+          </a:prstGeom>
+          <a:noFill/>
+        </p:spPr>
+        <p:txBody>
+          <a:bodyPr wrap="none" rtlCol="0">
+            <a:spAutoFit/>
+          </a:bodyPr>
+          <a:lstStyle/>
+          <a:p>
+            <a:r>
+              <a:rPr lang="en-US" sz="1400" i="1" dirty="0" smtClean="0"/>
+              <a:t>or A3*</a:t>
+            </a:r>
+            <a:endParaRPr lang="en-US" sz="1400" i="1" dirty="0"/>
           </a:p>
         </p:txBody>
       </p:sp>
